--- a/AgroGen.pptx
+++ b/AgroGen.pptx
@@ -208,7 +208,7 @@
           <a:p>
             <a:fld id="{7BF5E78B-FE7C-474B-AC91-ABC1B62969E2}" type="datetimeFigureOut">
               <a:rPr lang="en-US" smtClean="0"/>
-              <a:t>2/26/22</a:t>
+              <a:t>2/27/22</a:t>
             </a:fld>
             <a:endParaRPr lang="en-US"/>
           </a:p>
@@ -20095,8 +20095,8 @@
         </p:nvSpPr>
         <p:spPr>
           <a:xfrm>
-            <a:off x="4890501" y="3028308"/>
-            <a:ext cx="6719298" cy="1938992"/>
+            <a:off x="4890501" y="3100227"/>
+            <a:ext cx="6719298" cy="1323439"/>
           </a:xfrm>
           <a:prstGeom prst="rect">
             <a:avLst/>
@@ -20109,10 +20109,23 @@
           </a:bodyPr>
           <a:lstStyle/>
           <a:p>
-            <a:pPr algn="r"/>
             <a:r>
-              <a:rPr lang="en-US" sz="4000" b="1" dirty="0"/>
-              <a:t>Machine Learning Based Agricultural Produce Price Forecasting</a:t>
+              <a:rPr lang="en-US" sz="4000" b="1" dirty="0" err="1">
+                <a:solidFill>
+                  <a:srgbClr val="192325"/>
+                </a:solidFill>
+                <a:latin typeface="Circular"/>
+              </a:rPr>
+              <a:t>AgroGen</a:t>
+            </a:r>
+            <a:r>
+              <a:rPr lang="en-US" sz="4000" b="1" dirty="0">
+                <a:solidFill>
+                  <a:srgbClr val="192325"/>
+                </a:solidFill>
+                <a:latin typeface="Circular"/>
+              </a:rPr>
+              <a:t>: A Machine Learning Prediction Service For Farmers</a:t>
             </a:r>
           </a:p>
         </p:txBody>
@@ -37851,8 +37864,8 @@
           <a:lstStyle/>
           <a:p>
             <a:r>
-              <a:rPr lang="en-US" dirty="0"/>
-              <a:t>AGRO GEN</a:t>
+              <a:rPr lang="en-US" dirty="0" err="1"/>
+              <a:t>AgroGen</a:t>
             </a:r>
             <a:br>
               <a:rPr lang="en-US" dirty="0"/>
@@ -38009,9 +38022,10 @@
           <a:lstStyle/>
           <a:p>
             <a:r>
-              <a:rPr lang="en-US" b="1" dirty="0"/>
-              <a:t>AGRO GEN</a:t>
+              <a:rPr lang="en-US" dirty="0" err="1"/>
+              <a:t>AgroGen</a:t>
             </a:r>
+            <a:endParaRPr lang="en-US" b="1" dirty="0"/>
           </a:p>
         </p:txBody>
       </p:sp>
@@ -39565,8 +39579,12 @@
           <a:lstStyle/>
           <a:p>
             <a:r>
+              <a:rPr lang="en-US" dirty="0" err="1"/>
+              <a:t>AgroGen</a:t>
+            </a:r>
+            <a:r>
               <a:rPr lang="en-US" b="1" dirty="0"/>
-              <a:t>AGRO GEN – Factors Considered</a:t>
+              <a:t> – Factors Considered</a:t>
             </a:r>
           </a:p>
         </p:txBody>
@@ -46956,8 +46974,12 @@
           <a:lstStyle/>
           <a:p>
             <a:r>
+              <a:rPr lang="en-US" dirty="0" err="1"/>
+              <a:t>AgroGen</a:t>
+            </a:r>
+            <a:r>
               <a:rPr lang="en-US" b="1" dirty="0"/>
-              <a:t>AGRO GEN – Technology</a:t>
+              <a:t> – Technology</a:t>
             </a:r>
           </a:p>
         </p:txBody>
@@ -47199,8 +47221,12 @@
           <a:lstStyle/>
           <a:p>
             <a:r>
+              <a:rPr lang="en-US" dirty="0" err="1"/>
+              <a:t>AgroGen</a:t>
+            </a:r>
+            <a:r>
               <a:rPr lang="en-US" dirty="0"/>
-              <a:t>AGRO GEN – Public Reactions</a:t>
+              <a:t> – Public Reactions</a:t>
             </a:r>
           </a:p>
         </p:txBody>
